--- a/doc/diagrams/highlevelArchitecture.pptx
+++ b/doc/diagrams/highlevelArchitecture.pptx
@@ -104,6 +104,22 @@
       </a:defRPr>
     </a:lvl9pPr>
   </p:defaultTextStyle>
+  <p:extLst>
+    <p:ext uri="{EFAFB233-063F-42B5-8137-9DF3F51BA10A}">
+      <p15:sldGuideLst xmlns:p15="http://schemas.microsoft.com/office/powerpoint/2012/main">
+        <p15:guide id="1" orient="horz" pos="1527">
+          <p15:clr>
+            <a:srgbClr val="A4A3A4"/>
+          </p15:clr>
+        </p15:guide>
+        <p15:guide id="2" pos="2592">
+          <p15:clr>
+            <a:srgbClr val="A4A3A4"/>
+          </p15:clr>
+        </p15:guide>
+      </p15:sldGuideLst>
+    </p:ext>
+  </p:extLst>
 </p:presentation>
 </file>
 
@@ -289,7 +305,7 @@
             <a:fld id="{1D8BD707-D9CF-40AE-B4C6-C98DA3205C09}" type="datetimeFigureOut">
               <a:rPr lang="en-US" smtClean="0"/>
               <a:pPr/>
-              <a:t>7/5/2013</a:t>
+              <a:t>8/5/2015</a:t>
             </a:fld>
             <a:endParaRPr lang="en-US"/>
           </a:p>
@@ -456,7 +472,7 @@
             <a:fld id="{1D8BD707-D9CF-40AE-B4C6-C98DA3205C09}" type="datetimeFigureOut">
               <a:rPr lang="en-US" smtClean="0"/>
               <a:pPr/>
-              <a:t>7/5/2013</a:t>
+              <a:t>8/5/2015</a:t>
             </a:fld>
             <a:endParaRPr lang="en-US"/>
           </a:p>
@@ -633,7 +649,7 @@
             <a:fld id="{1D8BD707-D9CF-40AE-B4C6-C98DA3205C09}" type="datetimeFigureOut">
               <a:rPr lang="en-US" smtClean="0"/>
               <a:pPr/>
-              <a:t>7/5/2013</a:t>
+              <a:t>8/5/2015</a:t>
             </a:fld>
             <a:endParaRPr lang="en-US"/>
           </a:p>
@@ -800,7 +816,7 @@
             <a:fld id="{1D8BD707-D9CF-40AE-B4C6-C98DA3205C09}" type="datetimeFigureOut">
               <a:rPr lang="en-US" smtClean="0"/>
               <a:pPr/>
-              <a:t>7/5/2013</a:t>
+              <a:t>8/5/2015</a:t>
             </a:fld>
             <a:endParaRPr lang="en-US"/>
           </a:p>
@@ -1043,7 +1059,7 @@
             <a:fld id="{1D8BD707-D9CF-40AE-B4C6-C98DA3205C09}" type="datetimeFigureOut">
               <a:rPr lang="en-US" smtClean="0"/>
               <a:pPr/>
-              <a:t>7/5/2013</a:t>
+              <a:t>8/5/2015</a:t>
             </a:fld>
             <a:endParaRPr lang="en-US"/>
           </a:p>
@@ -1328,7 +1344,7 @@
             <a:fld id="{1D8BD707-D9CF-40AE-B4C6-C98DA3205C09}" type="datetimeFigureOut">
               <a:rPr lang="en-US" smtClean="0"/>
               <a:pPr/>
-              <a:t>7/5/2013</a:t>
+              <a:t>8/5/2015</a:t>
             </a:fld>
             <a:endParaRPr lang="en-US"/>
           </a:p>
@@ -1747,7 +1763,7 @@
             <a:fld id="{1D8BD707-D9CF-40AE-B4C6-C98DA3205C09}" type="datetimeFigureOut">
               <a:rPr lang="en-US" smtClean="0"/>
               <a:pPr/>
-              <a:t>7/5/2013</a:t>
+              <a:t>8/5/2015</a:t>
             </a:fld>
             <a:endParaRPr lang="en-US"/>
           </a:p>
@@ -1862,7 +1878,7 @@
             <a:fld id="{1D8BD707-D9CF-40AE-B4C6-C98DA3205C09}" type="datetimeFigureOut">
               <a:rPr lang="en-US" smtClean="0"/>
               <a:pPr/>
-              <a:t>7/5/2013</a:t>
+              <a:t>8/5/2015</a:t>
             </a:fld>
             <a:endParaRPr lang="en-US"/>
           </a:p>
@@ -1954,7 +1970,7 @@
             <a:fld id="{1D8BD707-D9CF-40AE-B4C6-C98DA3205C09}" type="datetimeFigureOut">
               <a:rPr lang="en-US" smtClean="0"/>
               <a:pPr/>
-              <a:t>7/5/2013</a:t>
+              <a:t>8/5/2015</a:t>
             </a:fld>
             <a:endParaRPr lang="en-US"/>
           </a:p>
@@ -2228,7 +2244,7 @@
             <a:fld id="{1D8BD707-D9CF-40AE-B4C6-C98DA3205C09}" type="datetimeFigureOut">
               <a:rPr lang="en-US" smtClean="0"/>
               <a:pPr/>
-              <a:t>7/5/2013</a:t>
+              <a:t>8/5/2015</a:t>
             </a:fld>
             <a:endParaRPr lang="en-US"/>
           </a:p>
@@ -2478,7 +2494,7 @@
             <a:fld id="{1D8BD707-D9CF-40AE-B4C6-C98DA3205C09}" type="datetimeFigureOut">
               <a:rPr lang="en-US" smtClean="0"/>
               <a:pPr/>
-              <a:t>7/5/2013</a:t>
+              <a:t>8/5/2015</a:t>
             </a:fld>
             <a:endParaRPr lang="en-US"/>
           </a:p>
@@ -2688,7 +2704,7 @@
             <a:fld id="{1D8BD707-D9CF-40AE-B4C6-C98DA3205C09}" type="datetimeFigureOut">
               <a:rPr lang="en-US" smtClean="0"/>
               <a:pPr/>
-              <a:t>7/5/2013</a:t>
+              <a:t>8/5/2015</a:t>
             </a:fld>
             <a:endParaRPr lang="en-US"/>
           </a:p>
@@ -3959,15 +3975,7 @@
                   <a:schemeClr val="bg1"/>
                 </a:solidFill>
               </a:rPr>
-              <a:t>HTML, CSS, </a:t>
-            </a:r>
-            <a:r>
-              <a:rPr lang="en-US" dirty="0" smtClean="0">
-                <a:solidFill>
-                  <a:schemeClr val="bg1"/>
-                </a:solidFill>
-              </a:rPr>
-              <a:t>JavaScript, </a:t>
+              <a:t>HTML, CSS, JavaScript, </a:t>
             </a:r>
             <a:r>
               <a:rPr lang="en-US" dirty="0" err="1" smtClean="0">
@@ -4122,15 +4130,7 @@
                   <a:schemeClr val="bg1"/>
                 </a:solidFill>
               </a:rPr>
-              <a:t>, </a:t>
-            </a:r>
-            <a:r>
-              <a:rPr lang="en-US" dirty="0" smtClean="0">
-                <a:solidFill>
-                  <a:schemeClr val="bg1"/>
-                </a:solidFill>
-              </a:rPr>
-              <a:t>Selenium, </a:t>
+              <a:t>, Selenium, </a:t>
             </a:r>
             <a:r>
               <a:rPr lang="en-US" dirty="0" err="1" smtClean="0">
@@ -4424,8 +4424,8 @@
         </p:nvSpPr>
         <p:spPr>
           <a:xfrm>
-            <a:off x="3657600" y="975519"/>
-            <a:ext cx="969859" cy="1143000"/>
+            <a:off x="3657600" y="975518"/>
+            <a:ext cx="1030876" cy="1243413"/>
           </a:xfrm>
           <a:prstGeom prst="roundRect">
             <a:avLst>
@@ -4594,7 +4594,15 @@
                   <a:schemeClr val="bg1"/>
                 </a:solidFill>
               </a:rPr>
-              <a:t>JSP, Servlets </a:t>
+              <a:t>JSP using </a:t>
+            </a:r>
+            <a:r>
+              <a:rPr lang="en-US" dirty="0" smtClean="0">
+                <a:solidFill>
+                  <a:schemeClr val="bg1"/>
+                </a:solidFill>
+              </a:rPr>
+              <a:t>JSTL, Servlets </a:t>
             </a:r>
             <a:endParaRPr lang="en-SG" dirty="0">
               <a:solidFill>
@@ -4741,8 +4749,8 @@
         </p:nvCxnSpPr>
         <p:spPr>
           <a:xfrm flipH="1">
-            <a:off x="4648200" y="1432719"/>
-            <a:ext cx="533401" cy="0"/>
+            <a:off x="4688476" y="1432719"/>
+            <a:ext cx="493126" cy="0"/>
           </a:xfrm>
           <a:prstGeom prst="straightConnector1">
             <a:avLst/>
